--- a/Fase 1/Evidencias Grupales/InfoCookies.pptx
+++ b/Fase 1/Evidencias Grupales/InfoCookies.pptx
@@ -115,6 +115,11 @@
       </a:defRPr>
     </a:lvl9pPr>
   </p:defaultTextStyle>
+  <p:extLst>
+    <p:ext uri="{EFAFB233-063F-42B5-8137-9DF3F51BA10A}">
+      <p15:sldGuideLst xmlns:p15="http://schemas.microsoft.com/office/powerpoint/2012/main"/>
+    </p:ext>
+  </p:extLst>
 </p:presentation>
 </file>
 
@@ -200,7 +205,7 @@
           <a:p>
             <a:fld id="{A12B416C-C2E6-4855-9732-376876C4ED41}" type="datetimeFigureOut">
               <a:rPr lang="es-CL" smtClean="0"/>
-              <a:t>02-09-2024</a:t>
+              <a:t>03-09-2024</a:t>
             </a:fld>
             <a:endParaRPr lang="es-CL"/>
           </a:p>
@@ -1109,7 +1114,7 @@
           <a:p>
             <a:fld id="{2FB8ADA6-9E8D-44E9-92C2-D7BC9C34B794}" type="datetimeFigureOut">
               <a:rPr lang="es-CL" smtClean="0"/>
-              <a:t>02-09-2024</a:t>
+              <a:t>03-09-2024</a:t>
             </a:fld>
             <a:endParaRPr lang="es-CL"/>
           </a:p>
@@ -1523,7 +1528,7 @@
           <a:p>
             <a:fld id="{2FB8ADA6-9E8D-44E9-92C2-D7BC9C34B794}" type="datetimeFigureOut">
               <a:rPr lang="es-CL" smtClean="0"/>
-              <a:t>02-09-2024</a:t>
+              <a:t>03-09-2024</a:t>
             </a:fld>
             <a:endParaRPr lang="es-CL"/>
           </a:p>
@@ -1859,7 +1864,7 @@
           <a:p>
             <a:fld id="{2FB8ADA6-9E8D-44E9-92C2-D7BC9C34B794}" type="datetimeFigureOut">
               <a:rPr lang="es-CL" smtClean="0"/>
-              <a:t>02-09-2024</a:t>
+              <a:t>03-09-2024</a:t>
             </a:fld>
             <a:endParaRPr lang="es-CL"/>
           </a:p>
@@ -2264,7 +2269,7 @@
           <a:p>
             <a:fld id="{2FB8ADA6-9E8D-44E9-92C2-D7BC9C34B794}" type="datetimeFigureOut">
               <a:rPr lang="es-CL" smtClean="0"/>
-              <a:t>02-09-2024</a:t>
+              <a:t>03-09-2024</a:t>
             </a:fld>
             <a:endParaRPr lang="es-CL"/>
           </a:p>
@@ -2832,7 +2837,7 @@
           <a:p>
             <a:fld id="{2FB8ADA6-9E8D-44E9-92C2-D7BC9C34B794}" type="datetimeFigureOut">
               <a:rPr lang="es-CL" smtClean="0"/>
-              <a:t>02-09-2024</a:t>
+              <a:t>03-09-2024</a:t>
             </a:fld>
             <a:endParaRPr lang="es-CL"/>
           </a:p>
@@ -3513,7 +3518,7 @@
           <a:p>
             <a:fld id="{2FB8ADA6-9E8D-44E9-92C2-D7BC9C34B794}" type="datetimeFigureOut">
               <a:rPr lang="es-CL" smtClean="0"/>
-              <a:t>02-09-2024</a:t>
+              <a:t>03-09-2024</a:t>
             </a:fld>
             <a:endParaRPr lang="es-CL"/>
           </a:p>
@@ -4426,7 +4431,7 @@
           <a:p>
             <a:fld id="{2FB8ADA6-9E8D-44E9-92C2-D7BC9C34B794}" type="datetimeFigureOut">
               <a:rPr lang="es-CL" smtClean="0"/>
-              <a:t>02-09-2024</a:t>
+              <a:t>03-09-2024</a:t>
             </a:fld>
             <a:endParaRPr lang="es-CL"/>
           </a:p>
@@ -4739,7 +4744,7 @@
           <a:p>
             <a:fld id="{2FB8ADA6-9E8D-44E9-92C2-D7BC9C34B794}" type="datetimeFigureOut">
               <a:rPr lang="es-CL" smtClean="0"/>
-              <a:t>02-09-2024</a:t>
+              <a:t>03-09-2024</a:t>
             </a:fld>
             <a:endParaRPr lang="es-CL"/>
           </a:p>
@@ -5003,7 +5008,7 @@
           <a:p>
             <a:fld id="{2FB8ADA6-9E8D-44E9-92C2-D7BC9C34B794}" type="datetimeFigureOut">
               <a:rPr lang="es-CL" smtClean="0"/>
-              <a:t>02-09-2024</a:t>
+              <a:t>03-09-2024</a:t>
             </a:fld>
             <a:endParaRPr lang="es-CL"/>
           </a:p>
@@ -5326,7 +5331,7 @@
           <a:p>
             <a:fld id="{2FB8ADA6-9E8D-44E9-92C2-D7BC9C34B794}" type="datetimeFigureOut">
               <a:rPr lang="es-CL" smtClean="0"/>
-              <a:t>02-09-2024</a:t>
+              <a:t>03-09-2024</a:t>
             </a:fld>
             <a:endParaRPr lang="es-CL"/>
           </a:p>
@@ -5715,7 +5720,7 @@
           <a:p>
             <a:fld id="{2FB8ADA6-9E8D-44E9-92C2-D7BC9C34B794}" type="datetimeFigureOut">
               <a:rPr lang="es-CL" smtClean="0"/>
-              <a:t>02-09-2024</a:t>
+              <a:t>03-09-2024</a:t>
             </a:fld>
             <a:endParaRPr lang="es-CL"/>
           </a:p>
@@ -6091,7 +6096,7 @@
           <a:p>
             <a:fld id="{2FB8ADA6-9E8D-44E9-92C2-D7BC9C34B794}" type="datetimeFigureOut">
               <a:rPr lang="es-CL" smtClean="0"/>
-              <a:t>02-09-2024</a:t>
+              <a:t>03-09-2024</a:t>
             </a:fld>
             <a:endParaRPr lang="es-CL"/>
           </a:p>
@@ -6597,7 +6602,7 @@
           <a:p>
             <a:fld id="{2FB8ADA6-9E8D-44E9-92C2-D7BC9C34B794}" type="datetimeFigureOut">
               <a:rPr lang="es-CL" smtClean="0"/>
-              <a:t>02-09-2024</a:t>
+              <a:t>03-09-2024</a:t>
             </a:fld>
             <a:endParaRPr lang="es-CL"/>
           </a:p>
@@ -6854,7 +6859,7 @@
           <a:p>
             <a:fld id="{2FB8ADA6-9E8D-44E9-92C2-D7BC9C34B794}" type="datetimeFigureOut">
               <a:rPr lang="es-CL" smtClean="0"/>
-              <a:t>02-09-2024</a:t>
+              <a:t>03-09-2024</a:t>
             </a:fld>
             <a:endParaRPr lang="es-CL"/>
           </a:p>
@@ -7017,7 +7022,7 @@
           <a:p>
             <a:fld id="{2FB8ADA6-9E8D-44E9-92C2-D7BC9C34B794}" type="datetimeFigureOut">
               <a:rPr lang="es-CL" smtClean="0"/>
-              <a:t>02-09-2024</a:t>
+              <a:t>03-09-2024</a:t>
             </a:fld>
             <a:endParaRPr lang="es-CL"/>
           </a:p>
@@ -7407,7 +7412,7 @@
           <a:p>
             <a:fld id="{2FB8ADA6-9E8D-44E9-92C2-D7BC9C34B794}" type="datetimeFigureOut">
               <a:rPr lang="es-CL" smtClean="0"/>
-              <a:t>02-09-2024</a:t>
+              <a:t>03-09-2024</a:t>
             </a:fld>
             <a:endParaRPr lang="es-CL"/>
           </a:p>
@@ -7816,7 +7821,7 @@
           <a:p>
             <a:fld id="{2FB8ADA6-9E8D-44E9-92C2-D7BC9C34B794}" type="datetimeFigureOut">
               <a:rPr lang="es-CL" smtClean="0"/>
-              <a:t>02-09-2024</a:t>
+              <a:t>03-09-2024</a:t>
             </a:fld>
             <a:endParaRPr lang="es-CL"/>
           </a:p>
@@ -8060,7 +8065,7 @@
           <a:p>
             <a:fld id="{2FB8ADA6-9E8D-44E9-92C2-D7BC9C34B794}" type="datetimeFigureOut">
               <a:rPr lang="es-CL" smtClean="0"/>
-              <a:t>02-09-2024</a:t>
+              <a:t>03-09-2024</a:t>
             </a:fld>
             <a:endParaRPr lang="es-CL"/>
           </a:p>
@@ -8552,6 +8557,53 @@
           </a:p>
         </p:txBody>
       </p:sp>
+      <p:pic>
+        <p:nvPicPr>
+          <p:cNvPr id="1026" name="Picture 2" descr="colocaci%c3%b3n plana de galletas con chispas de chocolate blanco en la computadora del teclado">
+            <a:extLst>
+              <a:ext uri="{FF2B5EF4-FFF2-40B4-BE49-F238E27FC236}">
+                <a16:creationId xmlns:a16="http://schemas.microsoft.com/office/drawing/2014/main" id="{B7FB3178-CCB3-4A5F-813B-EA362B000922}"/>
+              </a:ext>
+            </a:extLst>
+          </p:cNvPr>
+          <p:cNvPicPr>
+            <a:picLocks noChangeAspect="1" noChangeArrowheads="1"/>
+          </p:cNvPicPr>
+          <p:nvPr/>
+        </p:nvPicPr>
+        <p:blipFill>
+          <a:blip r:embed="rId2">
+            <a:extLst>
+              <a:ext uri="{28A0092B-C50C-407E-A947-70E740481C1C}">
+                <a14:useLocalDpi xmlns:a14="http://schemas.microsoft.com/office/drawing/2010/main" val="0"/>
+              </a:ext>
+            </a:extLst>
+          </a:blip>
+          <a:srcRect/>
+          <a:stretch>
+            <a:fillRect/>
+          </a:stretch>
+        </p:blipFill>
+        <p:spPr bwMode="auto">
+          <a:xfrm>
+            <a:off x="9544749" y="2674715"/>
+            <a:ext cx="2258337" cy="1508569"/>
+          </a:xfrm>
+          <a:prstGeom prst="rect">
+            <a:avLst/>
+          </a:prstGeom>
+          <a:noFill/>
+          <a:extLst>
+            <a:ext uri="{909E8E84-426E-40DD-AFC4-6F175D3DCCD1}">
+              <a14:hiddenFill xmlns:a14="http://schemas.microsoft.com/office/drawing/2010/main">
+                <a:solidFill>
+                  <a:srgbClr val="FFFFFF"/>
+                </a:solidFill>
+              </a14:hiddenFill>
+            </a:ext>
+          </a:extLst>
+        </p:spPr>
+      </p:pic>
     </p:spTree>
     <p:extLst>
       <p:ext uri="{BB962C8B-B14F-4D97-AF65-F5344CB8AC3E}">
@@ -8635,8 +8687,8 @@
               <a:buNone/>
             </a:pPr>
             <a:r>
-              <a:rPr lang="es-ES" dirty="0"/>
-              <a:t>Áreas de Desempeño:</a:t>
+              <a:rPr lang="es-ES" sz="3200" dirty="0"/>
+              <a:t>Áreas de Desempeño</a:t>
             </a:r>
           </a:p>
           <a:p>
@@ -8669,6 +8721,53 @@
           </a:p>
         </p:txBody>
       </p:sp>
+      <p:pic>
+        <p:nvPicPr>
+          <p:cNvPr id="5122" name="Picture 2" descr="calculadora y gráficos - desempeño laboral fotografías e imágenes de stock">
+            <a:extLst>
+              <a:ext uri="{FF2B5EF4-FFF2-40B4-BE49-F238E27FC236}">
+                <a16:creationId xmlns:a16="http://schemas.microsoft.com/office/drawing/2014/main" id="{F852A4B1-5FA0-4426-9D58-3DD7192EBCB3}"/>
+              </a:ext>
+            </a:extLst>
+          </p:cNvPr>
+          <p:cNvPicPr>
+            <a:picLocks noChangeAspect="1" noChangeArrowheads="1"/>
+          </p:cNvPicPr>
+          <p:nvPr/>
+        </p:nvPicPr>
+        <p:blipFill>
+          <a:blip r:embed="rId3">
+            <a:extLst>
+              <a:ext uri="{28A0092B-C50C-407E-A947-70E740481C1C}">
+                <a14:useLocalDpi xmlns:a14="http://schemas.microsoft.com/office/drawing/2010/main" val="0"/>
+              </a:ext>
+            </a:extLst>
+          </a:blip>
+          <a:srcRect/>
+          <a:stretch>
+            <a:fillRect/>
+          </a:stretch>
+        </p:blipFill>
+        <p:spPr bwMode="auto">
+          <a:xfrm>
+            <a:off x="10604330" y="753228"/>
+            <a:ext cx="1459065" cy="971737"/>
+          </a:xfrm>
+          <a:prstGeom prst="rect">
+            <a:avLst/>
+          </a:prstGeom>
+          <a:noFill/>
+          <a:extLst>
+            <a:ext uri="{909E8E84-426E-40DD-AFC4-6F175D3DCCD1}">
+              <a14:hiddenFill xmlns:a14="http://schemas.microsoft.com/office/drawing/2010/main">
+                <a:solidFill>
+                  <a:srgbClr val="FFFFFF"/>
+                </a:solidFill>
+              </a14:hiddenFill>
+            </a:ext>
+          </a:extLst>
+        </p:spPr>
+      </p:pic>
     </p:spTree>
     <p:extLst>
       <p:ext uri="{BB962C8B-B14F-4D97-AF65-F5344CB8AC3E}">
@@ -8780,6 +8879,53 @@
           </a:p>
         </p:txBody>
       </p:sp>
+      <p:pic>
+        <p:nvPicPr>
+          <p:cNvPr id="4098" name="Picture 2" descr="este espacio de oficinas está lleno de productividad - competencias fotografías e imágenes de stock">
+            <a:extLst>
+              <a:ext uri="{FF2B5EF4-FFF2-40B4-BE49-F238E27FC236}">
+                <a16:creationId xmlns:a16="http://schemas.microsoft.com/office/drawing/2014/main" id="{BF5487E1-9E1D-4A36-AB26-8E083565ACBE}"/>
+              </a:ext>
+            </a:extLst>
+          </p:cNvPr>
+          <p:cNvPicPr>
+            <a:picLocks noChangeAspect="1" noChangeArrowheads="1"/>
+          </p:cNvPicPr>
+          <p:nvPr/>
+        </p:nvPicPr>
+        <p:blipFill>
+          <a:blip r:embed="rId3">
+            <a:extLst>
+              <a:ext uri="{28A0092B-C50C-407E-A947-70E740481C1C}">
+                <a14:useLocalDpi xmlns:a14="http://schemas.microsoft.com/office/drawing/2010/main" val="0"/>
+              </a:ext>
+            </a:extLst>
+          </a:blip>
+          <a:srcRect/>
+          <a:stretch>
+            <a:fillRect/>
+          </a:stretch>
+        </p:blipFill>
+        <p:spPr bwMode="auto">
+          <a:xfrm>
+            <a:off x="7455876" y="3703625"/>
+            <a:ext cx="4560277" cy="3037144"/>
+          </a:xfrm>
+          <a:prstGeom prst="rect">
+            <a:avLst/>
+          </a:prstGeom>
+          <a:noFill/>
+          <a:extLst>
+            <a:ext uri="{909E8E84-426E-40DD-AFC4-6F175D3DCCD1}">
+              <a14:hiddenFill xmlns:a14="http://schemas.microsoft.com/office/drawing/2010/main">
+                <a:solidFill>
+                  <a:srgbClr val="FFFFFF"/>
+                </a:solidFill>
+              </a14:hiddenFill>
+            </a:ext>
+          </a:extLst>
+        </p:spPr>
+      </p:pic>
     </p:spTree>
     <p:extLst>
       <p:ext uri="{BB962C8B-B14F-4D97-AF65-F5344CB8AC3E}">
@@ -9032,6 +9178,53 @@
           </a:p>
         </p:txBody>
       </p:sp>
+      <p:pic>
+        <p:nvPicPr>
+          <p:cNvPr id="3074" name="Picture 2" descr="mujer joven escribiendo en post it en la oficina - objetivos fotografías e imágenes de stock">
+            <a:extLst>
+              <a:ext uri="{FF2B5EF4-FFF2-40B4-BE49-F238E27FC236}">
+                <a16:creationId xmlns:a16="http://schemas.microsoft.com/office/drawing/2014/main" id="{9D8A24F1-E3F6-4E5A-B71B-1AA827A737C6}"/>
+              </a:ext>
+            </a:extLst>
+          </p:cNvPr>
+          <p:cNvPicPr>
+            <a:picLocks noChangeAspect="1" noChangeArrowheads="1"/>
+          </p:cNvPicPr>
+          <p:nvPr/>
+        </p:nvPicPr>
+        <p:blipFill>
+          <a:blip r:embed="rId2">
+            <a:extLst>
+              <a:ext uri="{28A0092B-C50C-407E-A947-70E740481C1C}">
+                <a14:useLocalDpi xmlns:a14="http://schemas.microsoft.com/office/drawing/2010/main" val="0"/>
+              </a:ext>
+            </a:extLst>
+          </a:blip>
+          <a:srcRect/>
+          <a:stretch>
+            <a:fillRect/>
+          </a:stretch>
+        </p:blipFill>
+        <p:spPr bwMode="auto">
+          <a:xfrm>
+            <a:off x="6749179" y="3092694"/>
+            <a:ext cx="4762500" cy="3181350"/>
+          </a:xfrm>
+          <a:prstGeom prst="rect">
+            <a:avLst/>
+          </a:prstGeom>
+          <a:noFill/>
+          <a:extLst>
+            <a:ext uri="{909E8E84-426E-40DD-AFC4-6F175D3DCCD1}">
+              <a14:hiddenFill xmlns:a14="http://schemas.microsoft.com/office/drawing/2010/main">
+                <a:solidFill>
+                  <a:srgbClr val="FFFFFF"/>
+                </a:solidFill>
+              </a14:hiddenFill>
+            </a:ext>
+          </a:extLst>
+        </p:spPr>
+      </p:pic>
     </p:spTree>
     <p:extLst>
       <p:ext uri="{BB962C8B-B14F-4D97-AF65-F5344CB8AC3E}">
@@ -9125,6 +9318,36 @@
           </a:p>
         </p:txBody>
       </p:sp>
+      <p:pic>
+        <p:nvPicPr>
+          <p:cNvPr id="6" name="Imagen 5">
+            <a:extLst>
+              <a:ext uri="{FF2B5EF4-FFF2-40B4-BE49-F238E27FC236}">
+                <a16:creationId xmlns:a16="http://schemas.microsoft.com/office/drawing/2014/main" id="{FE1A37DC-C3B8-4C5D-A442-9286F29D1CDB}"/>
+              </a:ext>
+            </a:extLst>
+          </p:cNvPr>
+          <p:cNvPicPr>
+            <a:picLocks noChangeAspect="1"/>
+          </p:cNvPicPr>
+          <p:nvPr/>
+        </p:nvPicPr>
+        <p:blipFill>
+          <a:blip r:embed="rId3"/>
+          <a:stretch>
+            <a:fillRect/>
+          </a:stretch>
+        </p:blipFill>
+        <p:spPr>
+          <a:xfrm>
+            <a:off x="3997569" y="3753122"/>
+            <a:ext cx="3692770" cy="2954216"/>
+          </a:xfrm>
+          <a:prstGeom prst="rect">
+            <a:avLst/>
+          </a:prstGeom>
+        </p:spPr>
+      </p:pic>
     </p:spTree>
     <p:extLst>
       <p:ext uri="{BB962C8B-B14F-4D97-AF65-F5344CB8AC3E}">
@@ -9185,26 +9408,724 @@
       </p:sp>
       <p:sp>
         <p:nvSpPr>
-          <p:cNvPr id="3" name="Marcador de contenido 2">
+          <p:cNvPr id="4" name="Rectangle 1">
             <a:extLst>
               <a:ext uri="{FF2B5EF4-FFF2-40B4-BE49-F238E27FC236}">
-                <a16:creationId xmlns:a16="http://schemas.microsoft.com/office/drawing/2014/main" id="{287D1C83-0DE3-4411-A945-70DD86DD9B89}"/>
+                <a16:creationId xmlns:a16="http://schemas.microsoft.com/office/drawing/2014/main" id="{40C69D13-8DDB-C3D2-7C3D-C311F3CBEE8B}"/>
               </a:ext>
             </a:extLst>
           </p:cNvPr>
           <p:cNvSpPr>
-            <a:spLocks noGrp="1"/>
+            <a:spLocks noGrp="1" noChangeArrowheads="1"/>
           </p:cNvSpPr>
           <p:nvPr>
             <p:ph idx="1"/>
           </p:nvPr>
         </p:nvSpPr>
-        <p:spPr/>
-        <p:txBody>
-          <a:bodyPr/>
+        <p:spPr bwMode="auto">
+          <a:xfrm>
+            <a:off x="680320" y="2329998"/>
+            <a:ext cx="7968379" cy="4062651"/>
+          </a:xfrm>
+          <a:prstGeom prst="rect">
+            <a:avLst/>
+          </a:prstGeom>
+          <a:noFill/>
+          <a:ln>
+            <a:noFill/>
+          </a:ln>
+          <a:effectLst/>
+          <a:extLst>
+            <a:ext uri="{909E8E84-426E-40DD-AFC4-6F175D3DCCD1}">
+              <a14:hiddenFill xmlns:a14="http://schemas.microsoft.com/office/drawing/2010/main">
+                <a:solidFill>
+                  <a:schemeClr val="accent1"/>
+                </a:solidFill>
+              </a14:hiddenFill>
+            </a:ext>
+            <a:ext uri="{91240B29-F687-4F45-9708-019B960494DF}">
+              <a14:hiddenLine xmlns:a14="http://schemas.microsoft.com/office/drawing/2010/main" w="9525">
+                <a:solidFill>
+                  <a:schemeClr val="tx1"/>
+                </a:solidFill>
+                <a:miter lim="800000"/>
+                <a:headEnd/>
+                <a:tailEnd/>
+              </a14:hiddenLine>
+            </a:ext>
+            <a:ext uri="{AF507438-7753-43E0-B8FC-AC1667EBCBE1}">
+              <a14:hiddenEffects xmlns:a14="http://schemas.microsoft.com/office/drawing/2010/main">
+                <a:effectLst>
+                  <a:outerShdw dist="35921" dir="2700000" algn="ctr" rotWithShape="0">
+                    <a:schemeClr val="bg2"/>
+                  </a:outerShdw>
+                </a:effectLst>
+              </a14:hiddenEffects>
+            </a:ext>
+          </a:extLst>
+        </p:spPr>
+        <p:txBody>
+          <a:bodyPr vert="horz" wrap="square" lIns="91440" tIns="45720" rIns="91440" bIns="45720" numCol="1" anchor="ctr" anchorCtr="0" compatLnSpc="1">
+            <a:prstTxWarp prst="textNoShape">
+              <a:avLst/>
+            </a:prstTxWarp>
+            <a:spAutoFit/>
+          </a:bodyPr>
           <a:lstStyle/>
           <a:p>
-            <a:endParaRPr lang="es-CL"/>
+            <a:pPr marL="0" marR="0" lvl="0" indent="0" algn="l" defTabSz="914400" rtl="0" eaLnBrk="0" fontAlgn="base" latinLnBrk="0" hangingPunct="0">
+              <a:lnSpc>
+                <a:spcPct val="100000"/>
+              </a:lnSpc>
+              <a:spcBef>
+                <a:spcPct val="0"/>
+              </a:spcBef>
+              <a:spcAft>
+                <a:spcPct val="0"/>
+              </a:spcAft>
+              <a:buClrTx/>
+              <a:buSzTx/>
+              <a:buFontTx/>
+              <a:buChar char="•"/>
+              <a:tabLst/>
+            </a:pPr>
+            <a:r>
+              <a:rPr kumimoji="0" lang="es-CL" altLang="es-CL" sz="1600" b="1" i="0" u="none" strike="noStrike" cap="none" normalizeH="0" baseline="0" dirty="0">
+                <a:ln>
+                  <a:noFill/>
+                </a:ln>
+                <a:solidFill>
+                  <a:schemeClr val="tx1"/>
+                </a:solidFill>
+                <a:effectLst/>
+                <a:latin typeface="Arial" panose="020B0604020202020204" pitchFamily="34" charset="0"/>
+              </a:rPr>
+              <a:t>Fase de Planificación</a:t>
+            </a:r>
+            <a:r>
+              <a:rPr kumimoji="0" lang="es-CL" altLang="es-CL" sz="1600" b="0" i="0" u="none" strike="noStrike" cap="none" normalizeH="0" baseline="0" dirty="0">
+                <a:ln>
+                  <a:noFill/>
+                </a:ln>
+                <a:solidFill>
+                  <a:schemeClr val="tx1"/>
+                </a:solidFill>
+                <a:effectLst/>
+                <a:latin typeface="Arial" panose="020B0604020202020204" pitchFamily="34" charset="0"/>
+              </a:rPr>
+              <a:t>:</a:t>
+            </a:r>
+          </a:p>
+          <a:p>
+            <a:pPr marL="457200" lvl="1" indent="0" eaLnBrk="0" fontAlgn="base" hangingPunct="0">
+              <a:lnSpc>
+                <a:spcPct val="100000"/>
+              </a:lnSpc>
+              <a:spcBef>
+                <a:spcPct val="0"/>
+              </a:spcBef>
+              <a:spcAft>
+                <a:spcPct val="0"/>
+              </a:spcAft>
+              <a:buFontTx/>
+              <a:buChar char="•"/>
+            </a:pPr>
+            <a:r>
+              <a:rPr kumimoji="0" lang="es-CL" altLang="es-CL" sz="1600" b="1" i="0" u="none" strike="noStrike" cap="none" normalizeH="0" baseline="0" dirty="0">
+                <a:ln>
+                  <a:noFill/>
+                </a:ln>
+                <a:solidFill>
+                  <a:schemeClr val="tx1"/>
+                </a:solidFill>
+                <a:effectLst/>
+                <a:latin typeface="Arial" panose="020B0604020202020204" pitchFamily="34" charset="0"/>
+              </a:rPr>
+              <a:t>Requisitos</a:t>
+            </a:r>
+            <a:r>
+              <a:rPr kumimoji="0" lang="es-CL" altLang="es-CL" sz="1600" b="0" i="0" u="none" strike="noStrike" cap="none" normalizeH="0" baseline="0" dirty="0">
+                <a:ln>
+                  <a:noFill/>
+                </a:ln>
+                <a:solidFill>
+                  <a:schemeClr val="tx1"/>
+                </a:solidFill>
+                <a:effectLst/>
+                <a:latin typeface="Arial" panose="020B0604020202020204" pitchFamily="34" charset="0"/>
+              </a:rPr>
+              <a:t>: Identificar y analizar las necesidades del cliente.</a:t>
+            </a:r>
+          </a:p>
+          <a:p>
+            <a:pPr marL="457200" lvl="1" indent="0" eaLnBrk="0" fontAlgn="base" hangingPunct="0">
+              <a:lnSpc>
+                <a:spcPct val="100000"/>
+              </a:lnSpc>
+              <a:spcBef>
+                <a:spcPct val="0"/>
+              </a:spcBef>
+              <a:spcAft>
+                <a:spcPct val="0"/>
+              </a:spcAft>
+              <a:buFontTx/>
+              <a:buChar char="•"/>
+            </a:pPr>
+            <a:r>
+              <a:rPr kumimoji="0" lang="es-CL" altLang="es-CL" sz="1600" b="1" i="0" u="none" strike="noStrike" cap="none" normalizeH="0" baseline="0" dirty="0">
+                <a:ln>
+                  <a:noFill/>
+                </a:ln>
+                <a:solidFill>
+                  <a:schemeClr val="tx1"/>
+                </a:solidFill>
+                <a:effectLst/>
+                <a:latin typeface="Arial" panose="020B0604020202020204" pitchFamily="34" charset="0"/>
+              </a:rPr>
+              <a:t>Diseño de Interfaz</a:t>
+            </a:r>
+            <a:r>
+              <a:rPr kumimoji="0" lang="es-CL" altLang="es-CL" sz="1600" b="0" i="0" u="none" strike="noStrike" cap="none" normalizeH="0" baseline="0" dirty="0">
+                <a:ln>
+                  <a:noFill/>
+                </a:ln>
+                <a:solidFill>
+                  <a:schemeClr val="tx1"/>
+                </a:solidFill>
+                <a:effectLst/>
+                <a:latin typeface="Arial" panose="020B0604020202020204" pitchFamily="34" charset="0"/>
+              </a:rPr>
+              <a:t>: Crear un diseño funcional y fácil de usar.</a:t>
+            </a:r>
+          </a:p>
+          <a:p>
+            <a:pPr marL="457200" lvl="1" indent="0" eaLnBrk="0" fontAlgn="base" hangingPunct="0">
+              <a:lnSpc>
+                <a:spcPct val="100000"/>
+              </a:lnSpc>
+              <a:spcBef>
+                <a:spcPct val="0"/>
+              </a:spcBef>
+              <a:spcAft>
+                <a:spcPct val="0"/>
+              </a:spcAft>
+              <a:buFontTx/>
+              <a:buChar char="•"/>
+            </a:pPr>
+            <a:r>
+              <a:rPr kumimoji="0" lang="es-CL" altLang="es-CL" sz="1600" b="1" i="0" u="none" strike="noStrike" cap="none" normalizeH="0" baseline="0" dirty="0">
+                <a:ln>
+                  <a:noFill/>
+                </a:ln>
+                <a:solidFill>
+                  <a:schemeClr val="tx1"/>
+                </a:solidFill>
+                <a:effectLst/>
+                <a:latin typeface="Arial" panose="020B0604020202020204" pitchFamily="34" charset="0"/>
+              </a:rPr>
+              <a:t>Base de Datos</a:t>
+            </a:r>
+            <a:r>
+              <a:rPr kumimoji="0" lang="es-CL" altLang="es-CL" sz="1600" b="0" i="0" u="none" strike="noStrike" cap="none" normalizeH="0" baseline="0" dirty="0">
+                <a:ln>
+                  <a:noFill/>
+                </a:ln>
+                <a:solidFill>
+                  <a:schemeClr val="tx1"/>
+                </a:solidFill>
+                <a:effectLst/>
+                <a:latin typeface="Arial" panose="020B0604020202020204" pitchFamily="34" charset="0"/>
+              </a:rPr>
+              <a:t>: Estructurar la base de datos para gestionar pedidos y mesas.</a:t>
+            </a:r>
+          </a:p>
+          <a:p>
+            <a:pPr marL="0" marR="0" lvl="0" indent="0" algn="l" defTabSz="914400" rtl="0" eaLnBrk="0" fontAlgn="base" latinLnBrk="0" hangingPunct="0">
+              <a:lnSpc>
+                <a:spcPct val="100000"/>
+              </a:lnSpc>
+              <a:spcBef>
+                <a:spcPct val="0"/>
+              </a:spcBef>
+              <a:spcAft>
+                <a:spcPct val="0"/>
+              </a:spcAft>
+              <a:buClrTx/>
+              <a:buSzTx/>
+              <a:buFontTx/>
+              <a:buChar char="•"/>
+              <a:tabLst/>
+            </a:pPr>
+            <a:r>
+              <a:rPr kumimoji="0" lang="es-CL" altLang="es-CL" sz="1600" b="1" i="0" u="none" strike="noStrike" cap="none" normalizeH="0" baseline="0" dirty="0">
+                <a:ln>
+                  <a:noFill/>
+                </a:ln>
+                <a:solidFill>
+                  <a:schemeClr val="tx1"/>
+                </a:solidFill>
+                <a:effectLst/>
+                <a:latin typeface="Arial" panose="020B0604020202020204" pitchFamily="34" charset="0"/>
+              </a:rPr>
+              <a:t>Fase de Desarrollo</a:t>
+            </a:r>
+            <a:r>
+              <a:rPr kumimoji="0" lang="es-CL" altLang="es-CL" sz="1600" b="0" i="0" u="none" strike="noStrike" cap="none" normalizeH="0" baseline="0" dirty="0">
+                <a:ln>
+                  <a:noFill/>
+                </a:ln>
+                <a:solidFill>
+                  <a:schemeClr val="tx1"/>
+                </a:solidFill>
+                <a:effectLst/>
+                <a:latin typeface="Arial" panose="020B0604020202020204" pitchFamily="34" charset="0"/>
+              </a:rPr>
+              <a:t>:</a:t>
+            </a:r>
+          </a:p>
+          <a:p>
+            <a:pPr marL="457200" lvl="1" indent="0" eaLnBrk="0" fontAlgn="base" hangingPunct="0">
+              <a:lnSpc>
+                <a:spcPct val="100000"/>
+              </a:lnSpc>
+              <a:spcBef>
+                <a:spcPct val="0"/>
+              </a:spcBef>
+              <a:spcAft>
+                <a:spcPct val="0"/>
+              </a:spcAft>
+              <a:buFontTx/>
+              <a:buChar char="•"/>
+            </a:pPr>
+            <a:r>
+              <a:rPr kumimoji="0" lang="es-CL" altLang="es-CL" sz="1600" b="1" i="0" u="none" strike="noStrike" cap="none" normalizeH="0" baseline="0" dirty="0">
+                <a:ln>
+                  <a:noFill/>
+                </a:ln>
+                <a:solidFill>
+                  <a:schemeClr val="tx1"/>
+                </a:solidFill>
+                <a:effectLst/>
+                <a:latin typeface="Arial" panose="020B0604020202020204" pitchFamily="34" charset="0"/>
+              </a:rPr>
+              <a:t>Interfaz</a:t>
+            </a:r>
+            <a:r>
+              <a:rPr kumimoji="0" lang="es-CL" altLang="es-CL" sz="1600" b="0" i="0" u="none" strike="noStrike" cap="none" normalizeH="0" baseline="0" dirty="0">
+                <a:ln>
+                  <a:noFill/>
+                </a:ln>
+                <a:solidFill>
+                  <a:schemeClr val="tx1"/>
+                </a:solidFill>
+                <a:effectLst/>
+                <a:latin typeface="Arial" panose="020B0604020202020204" pitchFamily="34" charset="0"/>
+              </a:rPr>
+              <a:t>: Desarrollar la interfaz según el diseño.</a:t>
+            </a:r>
+          </a:p>
+          <a:p>
+            <a:pPr marL="457200" lvl="1" indent="0" eaLnBrk="0" fontAlgn="base" hangingPunct="0">
+              <a:lnSpc>
+                <a:spcPct val="100000"/>
+              </a:lnSpc>
+              <a:spcBef>
+                <a:spcPct val="0"/>
+              </a:spcBef>
+              <a:spcAft>
+                <a:spcPct val="0"/>
+              </a:spcAft>
+              <a:buFontTx/>
+              <a:buChar char="•"/>
+            </a:pPr>
+            <a:r>
+              <a:rPr kumimoji="0" lang="es-CL" altLang="es-CL" sz="1600" b="1" i="0" u="none" strike="noStrike" cap="none" normalizeH="0" baseline="0" dirty="0">
+                <a:ln>
+                  <a:noFill/>
+                </a:ln>
+                <a:solidFill>
+                  <a:schemeClr val="tx1"/>
+                </a:solidFill>
+                <a:effectLst/>
+                <a:latin typeface="Arial" panose="020B0604020202020204" pitchFamily="34" charset="0"/>
+              </a:rPr>
+              <a:t>Módulo de Cocina</a:t>
+            </a:r>
+            <a:r>
+              <a:rPr kumimoji="0" lang="es-CL" altLang="es-CL" sz="1600" b="0" i="0" u="none" strike="noStrike" cap="none" normalizeH="0" baseline="0" dirty="0">
+                <a:ln>
+                  <a:noFill/>
+                </a:ln>
+                <a:solidFill>
+                  <a:schemeClr val="tx1"/>
+                </a:solidFill>
+                <a:effectLst/>
+                <a:latin typeface="Arial" panose="020B0604020202020204" pitchFamily="34" charset="0"/>
+              </a:rPr>
+              <a:t>: Integrar el módulo para la gestión de pedidos en cocina.</a:t>
+            </a:r>
+          </a:p>
+          <a:p>
+            <a:pPr marL="457200" lvl="1" indent="0" eaLnBrk="0" fontAlgn="base" hangingPunct="0">
+              <a:lnSpc>
+                <a:spcPct val="100000"/>
+              </a:lnSpc>
+              <a:spcBef>
+                <a:spcPct val="0"/>
+              </a:spcBef>
+              <a:spcAft>
+                <a:spcPct val="0"/>
+              </a:spcAft>
+              <a:buFontTx/>
+              <a:buChar char="•"/>
+            </a:pPr>
+            <a:r>
+              <a:rPr kumimoji="0" lang="es-CL" altLang="es-CL" sz="1600" b="1" i="0" u="none" strike="noStrike" cap="none" normalizeH="0" baseline="0" dirty="0">
+                <a:ln>
+                  <a:noFill/>
+                </a:ln>
+                <a:solidFill>
+                  <a:schemeClr val="tx1"/>
+                </a:solidFill>
+                <a:effectLst/>
+                <a:latin typeface="Arial" panose="020B0604020202020204" pitchFamily="34" charset="0"/>
+              </a:rPr>
+              <a:t>Base de Datos</a:t>
+            </a:r>
+            <a:r>
+              <a:rPr kumimoji="0" lang="es-CL" altLang="es-CL" sz="1600" b="0" i="0" u="none" strike="noStrike" cap="none" normalizeH="0" baseline="0" dirty="0">
+                <a:ln>
+                  <a:noFill/>
+                </a:ln>
+                <a:solidFill>
+                  <a:schemeClr val="tx1"/>
+                </a:solidFill>
+                <a:effectLst/>
+                <a:latin typeface="Arial" panose="020B0604020202020204" pitchFamily="34" charset="0"/>
+              </a:rPr>
+              <a:t>: Conectar la base de datos con la interfaz y el módulo.</a:t>
+            </a:r>
+          </a:p>
+          <a:p>
+            <a:pPr marL="457200" lvl="1" indent="0" eaLnBrk="0" fontAlgn="base" hangingPunct="0">
+              <a:lnSpc>
+                <a:spcPct val="100000"/>
+              </a:lnSpc>
+              <a:spcBef>
+                <a:spcPct val="0"/>
+              </a:spcBef>
+              <a:spcAft>
+                <a:spcPct val="0"/>
+              </a:spcAft>
+              <a:buFontTx/>
+              <a:buChar char="•"/>
+            </a:pPr>
+            <a:r>
+              <a:rPr kumimoji="0" lang="es-CL" altLang="es-CL" sz="1600" b="1" i="0" u="none" strike="noStrike" cap="none" normalizeH="0" baseline="0" dirty="0">
+                <a:ln>
+                  <a:noFill/>
+                </a:ln>
+                <a:solidFill>
+                  <a:schemeClr val="tx1"/>
+                </a:solidFill>
+                <a:effectLst/>
+                <a:latin typeface="Arial" panose="020B0604020202020204" pitchFamily="34" charset="0"/>
+              </a:rPr>
+              <a:t>Ajustes</a:t>
+            </a:r>
+            <a:r>
+              <a:rPr kumimoji="0" lang="es-CL" altLang="es-CL" sz="1600" b="0" i="0" u="none" strike="noStrike" cap="none" normalizeH="0" baseline="0" dirty="0">
+                <a:ln>
+                  <a:noFill/>
+                </a:ln>
+                <a:solidFill>
+                  <a:schemeClr val="tx1"/>
+                </a:solidFill>
+                <a:effectLst/>
+                <a:latin typeface="Arial" panose="020B0604020202020204" pitchFamily="34" charset="0"/>
+              </a:rPr>
+              <a:t>: Realizar ajustes basados en pruebas y retroalimentación.</a:t>
+            </a:r>
+          </a:p>
+          <a:p>
+            <a:pPr marL="0" marR="0" lvl="0" indent="0" algn="l" defTabSz="914400" rtl="0" eaLnBrk="0" fontAlgn="base" latinLnBrk="0" hangingPunct="0">
+              <a:lnSpc>
+                <a:spcPct val="100000"/>
+              </a:lnSpc>
+              <a:spcBef>
+                <a:spcPct val="0"/>
+              </a:spcBef>
+              <a:spcAft>
+                <a:spcPct val="0"/>
+              </a:spcAft>
+              <a:buClrTx/>
+              <a:buSzTx/>
+              <a:buFontTx/>
+              <a:buChar char="•"/>
+              <a:tabLst/>
+            </a:pPr>
+            <a:r>
+              <a:rPr kumimoji="0" lang="es-CL" altLang="es-CL" sz="1600" b="1" i="0" u="none" strike="noStrike" cap="none" normalizeH="0" baseline="0" dirty="0">
+                <a:ln>
+                  <a:noFill/>
+                </a:ln>
+                <a:solidFill>
+                  <a:schemeClr val="tx1"/>
+                </a:solidFill>
+                <a:effectLst/>
+                <a:latin typeface="Arial" panose="020B0604020202020204" pitchFamily="34" charset="0"/>
+              </a:rPr>
+              <a:t>Fase de Pruebas</a:t>
+            </a:r>
+            <a:r>
+              <a:rPr kumimoji="0" lang="es-CL" altLang="es-CL" sz="1600" b="0" i="0" u="none" strike="noStrike" cap="none" normalizeH="0" baseline="0" dirty="0">
+                <a:ln>
+                  <a:noFill/>
+                </a:ln>
+                <a:solidFill>
+                  <a:schemeClr val="tx1"/>
+                </a:solidFill>
+                <a:effectLst/>
+                <a:latin typeface="Arial" panose="020B0604020202020204" pitchFamily="34" charset="0"/>
+              </a:rPr>
+              <a:t>:</a:t>
+            </a:r>
+          </a:p>
+          <a:p>
+            <a:pPr marL="457200" lvl="1" indent="0" eaLnBrk="0" fontAlgn="base" hangingPunct="0">
+              <a:lnSpc>
+                <a:spcPct val="100000"/>
+              </a:lnSpc>
+              <a:spcBef>
+                <a:spcPct val="0"/>
+              </a:spcBef>
+              <a:spcAft>
+                <a:spcPct val="0"/>
+              </a:spcAft>
+              <a:buFontTx/>
+              <a:buChar char="•"/>
+            </a:pPr>
+            <a:r>
+              <a:rPr kumimoji="0" lang="es-CL" altLang="es-CL" sz="1600" b="1" i="0" u="none" strike="noStrike" cap="none" normalizeH="0" baseline="0" dirty="0">
+                <a:ln>
+                  <a:noFill/>
+                </a:ln>
+                <a:solidFill>
+                  <a:schemeClr val="tx1"/>
+                </a:solidFill>
+                <a:effectLst/>
+                <a:latin typeface="Arial" panose="020B0604020202020204" pitchFamily="34" charset="0"/>
+              </a:rPr>
+              <a:t>Usabilidad</a:t>
+            </a:r>
+            <a:r>
+              <a:rPr kumimoji="0" lang="es-CL" altLang="es-CL" sz="1600" b="0" i="0" u="none" strike="noStrike" cap="none" normalizeH="0" baseline="0" dirty="0">
+                <a:ln>
+                  <a:noFill/>
+                </a:ln>
+                <a:solidFill>
+                  <a:schemeClr val="tx1"/>
+                </a:solidFill>
+                <a:effectLst/>
+                <a:latin typeface="Arial" panose="020B0604020202020204" pitchFamily="34" charset="0"/>
+              </a:rPr>
+              <a:t>: Asegurar que la plataforma sea intuitiva.</a:t>
+            </a:r>
+          </a:p>
+          <a:p>
+            <a:pPr marL="457200" lvl="1" indent="0" eaLnBrk="0" fontAlgn="base" hangingPunct="0">
+              <a:lnSpc>
+                <a:spcPct val="100000"/>
+              </a:lnSpc>
+              <a:spcBef>
+                <a:spcPct val="0"/>
+              </a:spcBef>
+              <a:spcAft>
+                <a:spcPct val="0"/>
+              </a:spcAft>
+              <a:buFontTx/>
+              <a:buChar char="•"/>
+            </a:pPr>
+            <a:r>
+              <a:rPr kumimoji="0" lang="es-CL" altLang="es-CL" sz="1600" b="1" i="0" u="none" strike="noStrike" cap="none" normalizeH="0" baseline="0" dirty="0">
+                <a:ln>
+                  <a:noFill/>
+                </a:ln>
+                <a:solidFill>
+                  <a:schemeClr val="tx1"/>
+                </a:solidFill>
+                <a:effectLst/>
+                <a:latin typeface="Arial" panose="020B0604020202020204" pitchFamily="34" charset="0"/>
+              </a:rPr>
+              <a:t>Calidad</a:t>
+            </a:r>
+            <a:r>
+              <a:rPr kumimoji="0" lang="es-CL" altLang="es-CL" sz="1600" b="0" i="0" u="none" strike="noStrike" cap="none" normalizeH="0" baseline="0" dirty="0">
+                <a:ln>
+                  <a:noFill/>
+                </a:ln>
+                <a:solidFill>
+                  <a:schemeClr val="tx1"/>
+                </a:solidFill>
+                <a:effectLst/>
+                <a:latin typeface="Arial" panose="020B0604020202020204" pitchFamily="34" charset="0"/>
+              </a:rPr>
+              <a:t>: Verificar que todas las funciones operen correctamente.</a:t>
+            </a:r>
+          </a:p>
+          <a:p>
+            <a:pPr marL="0" marR="0" lvl="0" indent="0" algn="l" defTabSz="914400" rtl="0" eaLnBrk="0" fontAlgn="base" latinLnBrk="0" hangingPunct="0">
+              <a:lnSpc>
+                <a:spcPct val="100000"/>
+              </a:lnSpc>
+              <a:spcBef>
+                <a:spcPct val="0"/>
+              </a:spcBef>
+              <a:spcAft>
+                <a:spcPct val="0"/>
+              </a:spcAft>
+              <a:buClrTx/>
+              <a:buSzTx/>
+              <a:buFontTx/>
+              <a:buChar char="•"/>
+              <a:tabLst/>
+            </a:pPr>
+            <a:r>
+              <a:rPr kumimoji="0" lang="es-CL" altLang="es-CL" sz="1600" b="1" i="0" u="none" strike="noStrike" cap="none" normalizeH="0" baseline="0" dirty="0">
+                <a:ln>
+                  <a:noFill/>
+                </a:ln>
+                <a:solidFill>
+                  <a:schemeClr val="tx1"/>
+                </a:solidFill>
+                <a:effectLst/>
+                <a:latin typeface="Arial" panose="020B0604020202020204" pitchFamily="34" charset="0"/>
+              </a:rPr>
+              <a:t>Fase de Implementación</a:t>
+            </a:r>
+            <a:r>
+              <a:rPr kumimoji="0" lang="es-CL" altLang="es-CL" sz="1600" b="0" i="0" u="none" strike="noStrike" cap="none" normalizeH="0" baseline="0" dirty="0">
+                <a:ln>
+                  <a:noFill/>
+                </a:ln>
+                <a:solidFill>
+                  <a:schemeClr val="tx1"/>
+                </a:solidFill>
+                <a:effectLst/>
+                <a:latin typeface="Arial" panose="020B0604020202020204" pitchFamily="34" charset="0"/>
+              </a:rPr>
+              <a:t>:</a:t>
+            </a:r>
+          </a:p>
+          <a:p>
+            <a:pPr marL="457200" lvl="1" indent="0" eaLnBrk="0" fontAlgn="base" hangingPunct="0">
+              <a:lnSpc>
+                <a:spcPct val="100000"/>
+              </a:lnSpc>
+              <a:spcBef>
+                <a:spcPct val="0"/>
+              </a:spcBef>
+              <a:spcAft>
+                <a:spcPct val="0"/>
+              </a:spcAft>
+              <a:buFontTx/>
+              <a:buChar char="•"/>
+            </a:pPr>
+            <a:r>
+              <a:rPr kumimoji="0" lang="es-CL" altLang="es-CL" sz="1600" b="1" i="0" u="none" strike="noStrike" cap="none" normalizeH="0" baseline="0" dirty="0">
+                <a:ln>
+                  <a:noFill/>
+                </a:ln>
+                <a:solidFill>
+                  <a:schemeClr val="tx1"/>
+                </a:solidFill>
+                <a:effectLst/>
+                <a:latin typeface="Arial" panose="020B0604020202020204" pitchFamily="34" charset="0"/>
+              </a:rPr>
+              <a:t>Despliegue</a:t>
+            </a:r>
+            <a:r>
+              <a:rPr kumimoji="0" lang="es-CL" altLang="es-CL" sz="1600" b="0" i="0" u="none" strike="noStrike" cap="none" normalizeH="0" baseline="0" dirty="0">
+                <a:ln>
+                  <a:noFill/>
+                </a:ln>
+                <a:solidFill>
+                  <a:schemeClr val="tx1"/>
+                </a:solidFill>
+                <a:effectLst/>
+                <a:latin typeface="Arial" panose="020B0604020202020204" pitchFamily="34" charset="0"/>
+              </a:rPr>
+              <a:t>: Lanzar la plataforma.</a:t>
+            </a:r>
+          </a:p>
+          <a:p>
+            <a:pPr marL="457200" lvl="1" indent="0" eaLnBrk="0" fontAlgn="base" hangingPunct="0">
+              <a:lnSpc>
+                <a:spcPct val="100000"/>
+              </a:lnSpc>
+              <a:spcBef>
+                <a:spcPct val="0"/>
+              </a:spcBef>
+              <a:spcAft>
+                <a:spcPct val="0"/>
+              </a:spcAft>
+              <a:buFontTx/>
+              <a:buChar char="•"/>
+            </a:pPr>
+            <a:r>
+              <a:rPr kumimoji="0" lang="es-CL" altLang="es-CL" sz="1600" b="1" i="0" u="none" strike="noStrike" cap="none" normalizeH="0" baseline="0" dirty="0">
+                <a:ln>
+                  <a:noFill/>
+                </a:ln>
+                <a:solidFill>
+                  <a:schemeClr val="tx1"/>
+                </a:solidFill>
+                <a:effectLst/>
+                <a:latin typeface="Arial" panose="020B0604020202020204" pitchFamily="34" charset="0"/>
+              </a:rPr>
+              <a:t>Capacitación</a:t>
+            </a:r>
+            <a:r>
+              <a:rPr kumimoji="0" lang="es-CL" altLang="es-CL" sz="1600" b="0" i="0" u="none" strike="noStrike" cap="none" normalizeH="0" baseline="0" dirty="0">
+                <a:ln>
+                  <a:noFill/>
+                </a:ln>
+                <a:solidFill>
+                  <a:schemeClr val="tx1"/>
+                </a:solidFill>
+                <a:effectLst/>
+                <a:latin typeface="Arial" panose="020B0604020202020204" pitchFamily="34" charset="0"/>
+              </a:rPr>
+              <a:t>: Formar al personal en el uso de la plataforma.</a:t>
+            </a:r>
+          </a:p>
+          <a:p>
+            <a:pPr marL="0" marR="0" lvl="0" indent="0" algn="l" defTabSz="914400" rtl="0" eaLnBrk="0" fontAlgn="base" latinLnBrk="0" hangingPunct="0">
+              <a:lnSpc>
+                <a:spcPct val="100000"/>
+              </a:lnSpc>
+              <a:spcBef>
+                <a:spcPct val="0"/>
+              </a:spcBef>
+              <a:spcAft>
+                <a:spcPct val="0"/>
+              </a:spcAft>
+              <a:buClrTx/>
+              <a:buSzTx/>
+              <a:buFontTx/>
+              <a:buNone/>
+              <a:tabLst/>
+            </a:pPr>
+            <a:endParaRPr kumimoji="0" lang="es-CL" altLang="es-CL" sz="1800" b="0" i="0" u="none" strike="noStrike" cap="none" normalizeH="0" baseline="0" dirty="0">
+              <a:ln>
+                <a:noFill/>
+              </a:ln>
+              <a:solidFill>
+                <a:schemeClr val="tx1"/>
+              </a:solidFill>
+              <a:effectLst/>
+              <a:latin typeface="Arial" panose="020B0604020202020204" pitchFamily="34" charset="0"/>
+            </a:endParaRPr>
           </a:p>
         </p:txBody>
       </p:sp>
@@ -9370,7 +10291,11 @@
           <a:bodyPr/>
           <a:lstStyle/>
           <a:p>
-            <a:endParaRPr lang="es-CL"/>
+            <a:r>
+              <a:rPr lang="es-MX" dirty="0"/>
+              <a:t>Desarrollaremos una plataforma web para optimizar la gestión de pedidos en una cafetería, mejorando la comunicación entre meseros y cocina. Con una interfaz intuitiva y una base de datos integrada, nuestro enfoque ágil con Scrum asegura una solución eficaz y adaptada a las necesidades del cliente. El resultado será una herramienta que facilita el servicio y aumenta la satisfacción del cliente.</a:t>
+            </a:r>
+            <a:endParaRPr lang="es-CL" dirty="0"/>
           </a:p>
         </p:txBody>
       </p:sp>
